--- a/fuentes/contenidos/grado06/guion08/MA_06_08_CO_MapaConceptual.pptx
+++ b/fuentes/contenidos/grado06/guion08/MA_06_08_CO_MapaConceptual.pptx
@@ -154,7 +154,7 @@
           </a:lstStyle>
           <a:p>
             <a:r>
-              <a:rPr lang="es-ES" smtClean="0"/>
+              <a:rPr lang="es-ES"/>
               <a:t>Haga clic para modificar el estilo de título del patrón</a:t>
             </a:r>
             <a:endParaRPr lang="en-US" dirty="0"/>
@@ -219,7 +219,7 @@
           </a:lstStyle>
           <a:p>
             <a:r>
-              <a:rPr lang="es-ES" smtClean="0"/>
+              <a:rPr lang="es-ES"/>
               <a:t>Haga clic para modificar el estilo de subtítulo del patrón</a:t>
             </a:r>
             <a:endParaRPr lang="en-US" dirty="0"/>
@@ -243,7 +243,7 @@
           <a:p>
             <a:fld id="{C764DE79-268F-4C1A-8933-263129D2AF90}" type="datetimeFigureOut">
               <a:rPr lang="en-US" dirty="0"/>
-              <a:t>1/10/2016</a:t>
+              <a:t>2/24/2016</a:t>
             </a:fld>
             <a:endParaRPr lang="en-US" dirty="0"/>
           </a:p>
@@ -337,7 +337,7 @@
           <a:lstStyle/>
           <a:p>
             <a:r>
-              <a:rPr lang="es-ES" smtClean="0"/>
+              <a:rPr lang="es-ES"/>
               <a:t>Haga clic para modificar el estilo de título del patrón</a:t>
             </a:r>
             <a:endParaRPr lang="en-US" dirty="0"/>
@@ -361,35 +361,35 @@
           <a:p>
             <a:pPr lvl="0"/>
             <a:r>
-              <a:rPr lang="es-ES" smtClean="0"/>
+              <a:rPr lang="es-ES"/>
               <a:t>Haga clic para modificar el estilo de texto del patrón</a:t>
             </a:r>
           </a:p>
           <a:p>
             <a:pPr lvl="1"/>
             <a:r>
-              <a:rPr lang="es-ES" smtClean="0"/>
+              <a:rPr lang="es-ES"/>
               <a:t>Segundo nivel</a:t>
             </a:r>
           </a:p>
           <a:p>
             <a:pPr lvl="2"/>
             <a:r>
-              <a:rPr lang="es-ES" smtClean="0"/>
+              <a:rPr lang="es-ES"/>
               <a:t>Tercer nivel</a:t>
             </a:r>
           </a:p>
           <a:p>
             <a:pPr lvl="3"/>
             <a:r>
-              <a:rPr lang="es-ES" smtClean="0"/>
+              <a:rPr lang="es-ES"/>
               <a:t>Cuarto nivel</a:t>
             </a:r>
           </a:p>
           <a:p>
             <a:pPr lvl="4"/>
             <a:r>
-              <a:rPr lang="es-ES" smtClean="0"/>
+              <a:rPr lang="es-ES"/>
               <a:t>Quinto nivel</a:t>
             </a:r>
             <a:endParaRPr lang="en-US" dirty="0"/>
@@ -413,7 +413,7 @@
           <a:p>
             <a:fld id="{C764DE79-268F-4C1A-8933-263129D2AF90}" type="datetimeFigureOut">
               <a:rPr lang="en-US" dirty="0"/>
-              <a:t>1/10/2016</a:t>
+              <a:t>2/24/2016</a:t>
             </a:fld>
             <a:endParaRPr lang="en-US" dirty="0"/>
           </a:p>
@@ -512,7 +512,7 @@
           <a:lstStyle/>
           <a:p>
             <a:r>
-              <a:rPr lang="es-ES" smtClean="0"/>
+              <a:rPr lang="es-ES"/>
               <a:t>Haga clic para modificar el estilo de título del patrón</a:t>
             </a:r>
             <a:endParaRPr lang="en-US" dirty="0"/>
@@ -541,35 +541,35 @@
           <a:p>
             <a:pPr lvl="0"/>
             <a:r>
-              <a:rPr lang="es-ES" smtClean="0"/>
+              <a:rPr lang="es-ES"/>
               <a:t>Haga clic para modificar el estilo de texto del patrón</a:t>
             </a:r>
           </a:p>
           <a:p>
             <a:pPr lvl="1"/>
             <a:r>
-              <a:rPr lang="es-ES" smtClean="0"/>
+              <a:rPr lang="es-ES"/>
               <a:t>Segundo nivel</a:t>
             </a:r>
           </a:p>
           <a:p>
             <a:pPr lvl="2"/>
             <a:r>
-              <a:rPr lang="es-ES" smtClean="0"/>
+              <a:rPr lang="es-ES"/>
               <a:t>Tercer nivel</a:t>
             </a:r>
           </a:p>
           <a:p>
             <a:pPr lvl="3"/>
             <a:r>
-              <a:rPr lang="es-ES" smtClean="0"/>
+              <a:rPr lang="es-ES"/>
               <a:t>Cuarto nivel</a:t>
             </a:r>
           </a:p>
           <a:p>
             <a:pPr lvl="4"/>
             <a:r>
-              <a:rPr lang="es-ES" smtClean="0"/>
+              <a:rPr lang="es-ES"/>
               <a:t>Quinto nivel</a:t>
             </a:r>
             <a:endParaRPr lang="en-US" dirty="0"/>
@@ -593,7 +593,7 @@
           <a:p>
             <a:fld id="{C764DE79-268F-4C1A-8933-263129D2AF90}" type="datetimeFigureOut">
               <a:rPr lang="en-US" dirty="0"/>
-              <a:t>1/10/2016</a:t>
+              <a:t>2/24/2016</a:t>
             </a:fld>
             <a:endParaRPr lang="en-US" dirty="0"/>
           </a:p>
@@ -681,13 +681,6 @@
   <p:clrMapOvr>
     <a:masterClrMapping/>
   </p:clrMapOvr>
-  <p:timing>
-    <p:tnLst>
-      <p:par>
-        <p:cTn id="1" dur="indefinite" restart="never" nodeType="tmRoot"/>
-      </p:par>
-    </p:tnLst>
-  </p:timing>
 </p:sldLayout>
 </file>
 
@@ -718,13 +711,6 @@
   <p:clrMapOvr>
     <a:masterClrMapping/>
   </p:clrMapOvr>
-  <p:timing>
-    <p:tnLst>
-      <p:par>
-        <p:cTn id="1" dur="indefinite" restart="never" nodeType="tmRoot"/>
-      </p:par>
-    </p:tnLst>
-  </p:timing>
 </p:sldLayout>
 </file>
 
@@ -755,13 +741,6 @@
   <p:clrMapOvr>
     <a:masterClrMapping/>
   </p:clrMapOvr>
-  <p:timing>
-    <p:tnLst>
-      <p:par>
-        <p:cTn id="1" dur="indefinite" restart="never" nodeType="tmRoot"/>
-      </p:par>
-    </p:tnLst>
-  </p:timing>
 </p:sldLayout>
 </file>
 
@@ -792,13 +771,6 @@
   <p:clrMapOvr>
     <a:masterClrMapping/>
   </p:clrMapOvr>
-  <p:timing>
-    <p:tnLst>
-      <p:par>
-        <p:cTn id="1" dur="indefinite" restart="never" nodeType="tmRoot"/>
-      </p:par>
-    </p:tnLst>
-  </p:timing>
 </p:sldLayout>
 </file>
 
@@ -829,13 +801,6 @@
   <p:clrMapOvr>
     <a:masterClrMapping/>
   </p:clrMapOvr>
-  <p:timing>
-    <p:tnLst>
-      <p:par>
-        <p:cTn id="1" dur="indefinite" restart="never" nodeType="tmRoot"/>
-      </p:par>
-    </p:tnLst>
-  </p:timing>
 </p:sldLayout>
 </file>
 
@@ -866,13 +831,6 @@
   <p:clrMapOvr>
     <a:masterClrMapping/>
   </p:clrMapOvr>
-  <p:timing>
-    <p:tnLst>
-      <p:par>
-        <p:cTn id="1" dur="indefinite" restart="never" nodeType="tmRoot"/>
-      </p:par>
-    </p:tnLst>
-  </p:timing>
 </p:sldLayout>
 </file>
 
@@ -903,13 +861,6 @@
   <p:clrMapOvr>
     <a:masterClrMapping/>
   </p:clrMapOvr>
-  <p:timing>
-    <p:tnLst>
-      <p:par>
-        <p:cTn id="1" dur="indefinite" restart="never" nodeType="tmRoot"/>
-      </p:par>
-    </p:tnLst>
-  </p:timing>
 </p:sldLayout>
 </file>
 
@@ -940,13 +891,6 @@
   <p:clrMapOvr>
     <a:masterClrMapping/>
   </p:clrMapOvr>
-  <p:timing>
-    <p:tnLst>
-      <p:par>
-        <p:cTn id="1" dur="indefinite" restart="never" nodeType="tmRoot"/>
-      </p:par>
-    </p:tnLst>
-  </p:timing>
 </p:sldLayout>
 </file>
 
@@ -983,7 +927,7 @@
           <a:lstStyle/>
           <a:p>
             <a:r>
-              <a:rPr lang="es-ES" smtClean="0"/>
+              <a:rPr lang="es-ES"/>
               <a:t>Haga clic para modificar el estilo de título del patrón</a:t>
             </a:r>
             <a:endParaRPr lang="en-US" dirty="0"/>
@@ -1007,35 +951,35 @@
           <a:p>
             <a:pPr lvl="0"/>
             <a:r>
-              <a:rPr lang="es-ES" smtClean="0"/>
+              <a:rPr lang="es-ES"/>
               <a:t>Haga clic para modificar el estilo de texto del patrón</a:t>
             </a:r>
           </a:p>
           <a:p>
             <a:pPr lvl="1"/>
             <a:r>
-              <a:rPr lang="es-ES" smtClean="0"/>
+              <a:rPr lang="es-ES"/>
               <a:t>Segundo nivel</a:t>
             </a:r>
           </a:p>
           <a:p>
             <a:pPr lvl="2"/>
             <a:r>
-              <a:rPr lang="es-ES" smtClean="0"/>
+              <a:rPr lang="es-ES"/>
               <a:t>Tercer nivel</a:t>
             </a:r>
           </a:p>
           <a:p>
             <a:pPr lvl="3"/>
             <a:r>
-              <a:rPr lang="es-ES" smtClean="0"/>
+              <a:rPr lang="es-ES"/>
               <a:t>Cuarto nivel</a:t>
             </a:r>
           </a:p>
           <a:p>
             <a:pPr lvl="4"/>
             <a:r>
-              <a:rPr lang="es-ES" smtClean="0"/>
+              <a:rPr lang="es-ES"/>
               <a:t>Quinto nivel</a:t>
             </a:r>
             <a:endParaRPr lang="en-US" dirty="0"/>
@@ -1059,7 +1003,7 @@
           <a:p>
             <a:fld id="{C764DE79-268F-4C1A-8933-263129D2AF90}" type="datetimeFigureOut">
               <a:rPr lang="en-US" dirty="0"/>
-              <a:t>1/10/2016</a:t>
+              <a:t>2/24/2016</a:t>
             </a:fld>
             <a:endParaRPr lang="en-US" dirty="0"/>
           </a:p>
@@ -1147,13 +1091,6 @@
   <p:clrMapOvr>
     <a:masterClrMapping/>
   </p:clrMapOvr>
-  <p:timing>
-    <p:tnLst>
-      <p:par>
-        <p:cTn id="1" dur="indefinite" restart="never" nodeType="tmRoot"/>
-      </p:par>
-    </p:tnLst>
-  </p:timing>
 </p:sldLayout>
 </file>
 
@@ -1184,13 +1121,6 @@
   <p:clrMapOvr>
     <a:masterClrMapping/>
   </p:clrMapOvr>
-  <p:timing>
-    <p:tnLst>
-      <p:par>
-        <p:cTn id="1" dur="indefinite" restart="never" nodeType="tmRoot"/>
-      </p:par>
-    </p:tnLst>
-  </p:timing>
 </p:sldLayout>
 </file>
 
@@ -1236,7 +1166,7 @@
           </a:lstStyle>
           <a:p>
             <a:r>
-              <a:rPr lang="es-ES" smtClean="0"/>
+              <a:rPr lang="es-ES"/>
               <a:t>Haga clic para modificar el estilo de título del patrón</a:t>
             </a:r>
             <a:endParaRPr lang="en-US" dirty="0"/>
@@ -1356,7 +1286,7 @@
           <a:p>
             <a:pPr lvl="0"/>
             <a:r>
-              <a:rPr lang="es-ES" smtClean="0"/>
+              <a:rPr lang="es-ES"/>
               <a:t>Haga clic para modificar el estilo de texto del patrón</a:t>
             </a:r>
           </a:p>
@@ -1379,7 +1309,7 @@
           <a:p>
             <a:fld id="{C764DE79-268F-4C1A-8933-263129D2AF90}" type="datetimeFigureOut">
               <a:rPr lang="en-US" dirty="0"/>
-              <a:t>1/10/2016</a:t>
+              <a:t>2/24/2016</a:t>
             </a:fld>
             <a:endParaRPr lang="en-US" dirty="0"/>
           </a:p>
@@ -1473,7 +1403,7 @@
           <a:lstStyle/>
           <a:p>
             <a:r>
-              <a:rPr lang="es-ES" smtClean="0"/>
+              <a:rPr lang="es-ES"/>
               <a:t>Haga clic para modificar el estilo de título del patrón</a:t>
             </a:r>
             <a:endParaRPr lang="en-US" dirty="0"/>
@@ -1502,35 +1432,35 @@
           <a:p>
             <a:pPr lvl="0"/>
             <a:r>
-              <a:rPr lang="es-ES" smtClean="0"/>
+              <a:rPr lang="es-ES"/>
               <a:t>Haga clic para modificar el estilo de texto del patrón</a:t>
             </a:r>
           </a:p>
           <a:p>
             <a:pPr lvl="1"/>
             <a:r>
-              <a:rPr lang="es-ES" smtClean="0"/>
+              <a:rPr lang="es-ES"/>
               <a:t>Segundo nivel</a:t>
             </a:r>
           </a:p>
           <a:p>
             <a:pPr lvl="2"/>
             <a:r>
-              <a:rPr lang="es-ES" smtClean="0"/>
+              <a:rPr lang="es-ES"/>
               <a:t>Tercer nivel</a:t>
             </a:r>
           </a:p>
           <a:p>
             <a:pPr lvl="3"/>
             <a:r>
-              <a:rPr lang="es-ES" smtClean="0"/>
+              <a:rPr lang="es-ES"/>
               <a:t>Cuarto nivel</a:t>
             </a:r>
           </a:p>
           <a:p>
             <a:pPr lvl="4"/>
             <a:r>
-              <a:rPr lang="es-ES" smtClean="0"/>
+              <a:rPr lang="es-ES"/>
               <a:t>Quinto nivel</a:t>
             </a:r>
             <a:endParaRPr lang="en-US" dirty="0"/>
@@ -1559,35 +1489,35 @@
           <a:p>
             <a:pPr lvl="0"/>
             <a:r>
-              <a:rPr lang="es-ES" smtClean="0"/>
+              <a:rPr lang="es-ES"/>
               <a:t>Haga clic para modificar el estilo de texto del patrón</a:t>
             </a:r>
           </a:p>
           <a:p>
             <a:pPr lvl="1"/>
             <a:r>
-              <a:rPr lang="es-ES" smtClean="0"/>
+              <a:rPr lang="es-ES"/>
               <a:t>Segundo nivel</a:t>
             </a:r>
           </a:p>
           <a:p>
             <a:pPr lvl="2"/>
             <a:r>
-              <a:rPr lang="es-ES" smtClean="0"/>
+              <a:rPr lang="es-ES"/>
               <a:t>Tercer nivel</a:t>
             </a:r>
           </a:p>
           <a:p>
             <a:pPr lvl="3"/>
             <a:r>
-              <a:rPr lang="es-ES" smtClean="0"/>
+              <a:rPr lang="es-ES"/>
               <a:t>Cuarto nivel</a:t>
             </a:r>
           </a:p>
           <a:p>
             <a:pPr lvl="4"/>
             <a:r>
-              <a:rPr lang="es-ES" smtClean="0"/>
+              <a:rPr lang="es-ES"/>
               <a:t>Quinto nivel</a:t>
             </a:r>
             <a:endParaRPr lang="en-US" dirty="0"/>
@@ -1611,7 +1541,7 @@
           <a:p>
             <a:fld id="{C764DE79-268F-4C1A-8933-263129D2AF90}" type="datetimeFigureOut">
               <a:rPr lang="en-US" dirty="0"/>
-              <a:t>1/10/2016</a:t>
+              <a:t>2/24/2016</a:t>
             </a:fld>
             <a:endParaRPr lang="en-US" dirty="0"/>
           </a:p>
@@ -1710,7 +1640,7 @@
           <a:lstStyle/>
           <a:p>
             <a:r>
-              <a:rPr lang="es-ES" smtClean="0"/>
+              <a:rPr lang="es-ES"/>
               <a:t>Haga clic para modificar el estilo de título del patrón</a:t>
             </a:r>
             <a:endParaRPr lang="en-US" dirty="0"/>
@@ -1776,7 +1706,7 @@
           <a:p>
             <a:pPr lvl="0"/>
             <a:r>
-              <a:rPr lang="es-ES" smtClean="0"/>
+              <a:rPr lang="es-ES"/>
               <a:t>Haga clic para modificar el estilo de texto del patrón</a:t>
             </a:r>
           </a:p>
@@ -1804,35 +1734,35 @@
           <a:p>
             <a:pPr lvl="0"/>
             <a:r>
-              <a:rPr lang="es-ES" smtClean="0"/>
+              <a:rPr lang="es-ES"/>
               <a:t>Haga clic para modificar el estilo de texto del patrón</a:t>
             </a:r>
           </a:p>
           <a:p>
             <a:pPr lvl="1"/>
             <a:r>
-              <a:rPr lang="es-ES" smtClean="0"/>
+              <a:rPr lang="es-ES"/>
               <a:t>Segundo nivel</a:t>
             </a:r>
           </a:p>
           <a:p>
             <a:pPr lvl="2"/>
             <a:r>
-              <a:rPr lang="es-ES" smtClean="0"/>
+              <a:rPr lang="es-ES"/>
               <a:t>Tercer nivel</a:t>
             </a:r>
           </a:p>
           <a:p>
             <a:pPr lvl="3"/>
             <a:r>
-              <a:rPr lang="es-ES" smtClean="0"/>
+              <a:rPr lang="es-ES"/>
               <a:t>Cuarto nivel</a:t>
             </a:r>
           </a:p>
           <a:p>
             <a:pPr lvl="4"/>
             <a:r>
-              <a:rPr lang="es-ES" smtClean="0"/>
+              <a:rPr lang="es-ES"/>
               <a:t>Quinto nivel</a:t>
             </a:r>
             <a:endParaRPr lang="en-US" dirty="0"/>
@@ -1898,7 +1828,7 @@
           <a:p>
             <a:pPr lvl="0"/>
             <a:r>
-              <a:rPr lang="es-ES" smtClean="0"/>
+              <a:rPr lang="es-ES"/>
               <a:t>Haga clic para modificar el estilo de texto del patrón</a:t>
             </a:r>
           </a:p>
@@ -1926,35 +1856,35 @@
           <a:p>
             <a:pPr lvl="0"/>
             <a:r>
-              <a:rPr lang="es-ES" smtClean="0"/>
+              <a:rPr lang="es-ES"/>
               <a:t>Haga clic para modificar el estilo de texto del patrón</a:t>
             </a:r>
           </a:p>
           <a:p>
             <a:pPr lvl="1"/>
             <a:r>
-              <a:rPr lang="es-ES" smtClean="0"/>
+              <a:rPr lang="es-ES"/>
               <a:t>Segundo nivel</a:t>
             </a:r>
           </a:p>
           <a:p>
             <a:pPr lvl="2"/>
             <a:r>
-              <a:rPr lang="es-ES" smtClean="0"/>
+              <a:rPr lang="es-ES"/>
               <a:t>Tercer nivel</a:t>
             </a:r>
           </a:p>
           <a:p>
             <a:pPr lvl="3"/>
             <a:r>
-              <a:rPr lang="es-ES" smtClean="0"/>
+              <a:rPr lang="es-ES"/>
               <a:t>Cuarto nivel</a:t>
             </a:r>
           </a:p>
           <a:p>
             <a:pPr lvl="4"/>
             <a:r>
-              <a:rPr lang="es-ES" smtClean="0"/>
+              <a:rPr lang="es-ES"/>
               <a:t>Quinto nivel</a:t>
             </a:r>
             <a:endParaRPr lang="en-US" dirty="0"/>
@@ -1978,7 +1908,7 @@
           <a:p>
             <a:fld id="{C764DE79-268F-4C1A-8933-263129D2AF90}" type="datetimeFigureOut">
               <a:rPr lang="en-US" dirty="0"/>
-              <a:t>1/10/2016</a:t>
+              <a:t>2/24/2016</a:t>
             </a:fld>
             <a:endParaRPr lang="en-US" dirty="0"/>
           </a:p>
@@ -2072,7 +2002,7 @@
           <a:lstStyle/>
           <a:p>
             <a:r>
-              <a:rPr lang="es-ES" smtClean="0"/>
+              <a:rPr lang="es-ES"/>
               <a:t>Haga clic para modificar el estilo de título del patrón</a:t>
             </a:r>
             <a:endParaRPr lang="en-US" dirty="0"/>
@@ -2096,7 +2026,7 @@
           <a:p>
             <a:fld id="{C764DE79-268F-4C1A-8933-263129D2AF90}" type="datetimeFigureOut">
               <a:rPr lang="en-US" dirty="0"/>
-              <a:t>1/10/2016</a:t>
+              <a:t>2/24/2016</a:t>
             </a:fld>
             <a:endParaRPr lang="en-US" dirty="0"/>
           </a:p>
@@ -2191,7 +2121,7 @@
           <a:p>
             <a:fld id="{5001C876-01F7-4317-94B9-1AE222133113}" type="datetimeFigureOut">
               <a:rPr lang="es-ES" smtClean="0"/>
-              <a:t>10/01/2016</a:t>
+              <a:t>24/02/2016</a:t>
             </a:fld>
             <a:endParaRPr lang="es-ES"/>
           </a:p>
@@ -2294,7 +2224,7 @@
           </a:lstStyle>
           <a:p>
             <a:r>
-              <a:rPr lang="es-ES" smtClean="0"/>
+              <a:rPr lang="es-ES"/>
               <a:t>Haga clic para modificar el estilo de título del patrón</a:t>
             </a:r>
             <a:endParaRPr lang="en-US" dirty="0"/>
@@ -2351,35 +2281,35 @@
           <a:p>
             <a:pPr lvl="0"/>
             <a:r>
-              <a:rPr lang="es-ES" smtClean="0"/>
+              <a:rPr lang="es-ES"/>
               <a:t>Haga clic para modificar el estilo de texto del patrón</a:t>
             </a:r>
           </a:p>
           <a:p>
             <a:pPr lvl="1"/>
             <a:r>
-              <a:rPr lang="es-ES" smtClean="0"/>
+              <a:rPr lang="es-ES"/>
               <a:t>Segundo nivel</a:t>
             </a:r>
           </a:p>
           <a:p>
             <a:pPr lvl="2"/>
             <a:r>
-              <a:rPr lang="es-ES" smtClean="0"/>
+              <a:rPr lang="es-ES"/>
               <a:t>Tercer nivel</a:t>
             </a:r>
           </a:p>
           <a:p>
             <a:pPr lvl="3"/>
             <a:r>
-              <a:rPr lang="es-ES" smtClean="0"/>
+              <a:rPr lang="es-ES"/>
               <a:t>Cuarto nivel</a:t>
             </a:r>
           </a:p>
           <a:p>
             <a:pPr lvl="4"/>
             <a:r>
-              <a:rPr lang="es-ES" smtClean="0"/>
+              <a:rPr lang="es-ES"/>
               <a:t>Quinto nivel</a:t>
             </a:r>
             <a:endParaRPr lang="en-US" dirty="0"/>
@@ -2445,7 +2375,7 @@
           <a:p>
             <a:pPr lvl="0"/>
             <a:r>
-              <a:rPr lang="es-ES" smtClean="0"/>
+              <a:rPr lang="es-ES"/>
               <a:t>Haga clic para modificar el estilo de texto del patrón</a:t>
             </a:r>
           </a:p>
@@ -2468,7 +2398,7 @@
           <a:p>
             <a:fld id="{C764DE79-268F-4C1A-8933-263129D2AF90}" type="datetimeFigureOut">
               <a:rPr lang="en-US" dirty="0"/>
-              <a:t>1/10/2016</a:t>
+              <a:t>2/24/2016</a:t>
             </a:fld>
             <a:endParaRPr lang="en-US" dirty="0"/>
           </a:p>
@@ -2571,7 +2501,7 @@
           </a:lstStyle>
           <a:p>
             <a:r>
-              <a:rPr lang="es-ES" smtClean="0"/>
+              <a:rPr lang="es-ES"/>
               <a:t>Haga clic para modificar el estilo de título del patrón</a:t>
             </a:r>
             <a:endParaRPr lang="en-US" dirty="0"/>
@@ -2636,7 +2566,7 @@
           </a:lstStyle>
           <a:p>
             <a:r>
-              <a:rPr lang="es-ES" smtClean="0"/>
+              <a:rPr lang="es-ES"/>
               <a:t>Haga clic en el icono para agregar una imagen</a:t>
             </a:r>
             <a:endParaRPr lang="en-US" dirty="0"/>
@@ -2702,7 +2632,7 @@
           <a:p>
             <a:pPr lvl="0"/>
             <a:r>
-              <a:rPr lang="es-ES" smtClean="0"/>
+              <a:rPr lang="es-ES"/>
               <a:t>Haga clic para modificar el estilo de texto del patrón</a:t>
             </a:r>
           </a:p>
@@ -2725,7 +2655,7 @@
           <a:p>
             <a:fld id="{C764DE79-268F-4C1A-8933-263129D2AF90}" type="datetimeFigureOut">
               <a:rPr lang="en-US" dirty="0"/>
-              <a:t>1/10/2016</a:t>
+              <a:t>2/24/2016</a:t>
             </a:fld>
             <a:endParaRPr lang="en-US" dirty="0"/>
           </a:p>
@@ -2834,7 +2764,7 @@
           <a:lstStyle/>
           <a:p>
             <a:r>
-              <a:rPr lang="es-ES" smtClean="0"/>
+              <a:rPr lang="es-ES"/>
               <a:t>Haga clic para modificar el estilo de título del patrón</a:t>
             </a:r>
             <a:endParaRPr lang="en-US" dirty="0"/>
@@ -2868,35 +2798,35 @@
           <a:p>
             <a:pPr lvl="0"/>
             <a:r>
-              <a:rPr lang="es-ES" smtClean="0"/>
+              <a:rPr lang="es-ES"/>
               <a:t>Haga clic para modificar el estilo de texto del patrón</a:t>
             </a:r>
           </a:p>
           <a:p>
             <a:pPr lvl="1"/>
             <a:r>
-              <a:rPr lang="es-ES" smtClean="0"/>
+              <a:rPr lang="es-ES"/>
               <a:t>Segundo nivel</a:t>
             </a:r>
           </a:p>
           <a:p>
             <a:pPr lvl="2"/>
             <a:r>
-              <a:rPr lang="es-ES" smtClean="0"/>
+              <a:rPr lang="es-ES"/>
               <a:t>Tercer nivel</a:t>
             </a:r>
           </a:p>
           <a:p>
             <a:pPr lvl="3"/>
             <a:r>
-              <a:rPr lang="es-ES" smtClean="0"/>
+              <a:rPr lang="es-ES"/>
               <a:t>Cuarto nivel</a:t>
             </a:r>
           </a:p>
           <a:p>
             <a:pPr lvl="4"/>
             <a:r>
-              <a:rPr lang="es-ES" smtClean="0"/>
+              <a:rPr lang="es-ES"/>
               <a:t>Quinto nivel</a:t>
             </a:r>
             <a:endParaRPr lang="en-US" dirty="0"/>
@@ -2938,7 +2868,7 @@
           <a:p>
             <a:fld id="{C764DE79-268F-4C1A-8933-263129D2AF90}" type="datetimeFigureOut">
               <a:rPr lang="en-US" dirty="0"/>
-              <a:t>1/10/2016</a:t>
+              <a:t>2/24/2016</a:t>
             </a:fld>
             <a:endParaRPr lang="en-US" dirty="0"/>
           </a:p>
@@ -3046,7 +2976,7 @@
           <a:p>
             <a:pPr algn="ctr"/>
             <a:r>
-              <a:rPr lang="es-ES" sz="1200" dirty="0" smtClean="0">
+              <a:rPr lang="es-ES" sz="1200" dirty="0">
                 <a:solidFill>
                   <a:schemeClr val="bg2">
                     <a:lumMod val="90000"/>
@@ -3055,17 +2985,8 @@
                 <a:latin typeface="Arial" panose="020B0604020202020204" pitchFamily="34" charset="0"/>
                 <a:cs typeface="Arial" panose="020B0604020202020204" pitchFamily="34" charset="0"/>
               </a:rPr>
-              <a:t>© Editorial Planeta Colombiana S.A., 2015.</a:t>
-            </a:r>
-            <a:endParaRPr lang="es-ES" sz="1200" dirty="0">
-              <a:solidFill>
-                <a:schemeClr val="bg2">
-                  <a:lumMod val="90000"/>
-                </a:schemeClr>
-              </a:solidFill>
-              <a:latin typeface="Arial" panose="020B0604020202020204" pitchFamily="34" charset="0"/>
-              <a:cs typeface="Arial" panose="020B0604020202020204" pitchFamily="34" charset="0"/>
-            </a:endParaRPr>
+              <a:t>© Editorial Planeta Colombiana S.A., 2016.</a:t>
+            </a:r>
           </a:p>
         </p:txBody>
       </p:sp>
@@ -3090,9 +3011,9 @@
           </a:stretch>
         </p:blipFill>
         <p:spPr>
-          <a:xfrm rot="16200000">
-            <a:off x="324444" y="234960"/>
-            <a:ext cx="238757" cy="286527"/>
+          <a:xfrm rot="5400000">
+            <a:off x="305322" y="309407"/>
+            <a:ext cx="339471" cy="339471"/>
           </a:xfrm>
           <a:prstGeom prst="rect">
             <a:avLst/>
@@ -3473,23 +3394,12 @@
           <a:p>
             <a:pPr algn="ctr"/>
             <a:r>
-              <a:rPr lang="es-ES" sz="1600" dirty="0" smtClean="0">
+              <a:rPr lang="es-ES" sz="1600" dirty="0">
                 <a:latin typeface="Arial" panose="020B0604020202020204" pitchFamily="34" charset="0"/>
                 <a:cs typeface="Arial" panose="020B0604020202020204" pitchFamily="34" charset="0"/>
               </a:rPr>
-              <a:t>Los operaciones con </a:t>
-            </a:r>
-            <a:r>
-              <a:rPr lang="es-ES" sz="1600" dirty="0" smtClean="0">
-                <a:latin typeface="Arial" panose="020B0604020202020204" pitchFamily="34" charset="0"/>
-                <a:cs typeface="Arial" panose="020B0604020202020204" pitchFamily="34" charset="0"/>
-              </a:rPr>
-              <a:t>números decimales</a:t>
-            </a:r>
-            <a:endParaRPr lang="es-ES" sz="1600" dirty="0">
-              <a:latin typeface="Arial" panose="020B0604020202020204" pitchFamily="34" charset="0"/>
-              <a:cs typeface="Arial" panose="020B0604020202020204" pitchFamily="34" charset="0"/>
-            </a:endParaRPr>
+              <a:t>Las operaciones con números decimales</a:t>
+            </a:r>
           </a:p>
         </p:txBody>
       </p:sp>
@@ -3501,8 +3411,8 @@
         </p:nvSpPr>
         <p:spPr>
           <a:xfrm>
-            <a:off x="1396398" y="2117889"/>
-            <a:ext cx="1381776" cy="439782"/>
+            <a:off x="1830879" y="2117889"/>
+            <a:ext cx="1447536" cy="439782"/>
           </a:xfrm>
           <a:prstGeom prst="rect">
             <a:avLst/>
@@ -3543,16 +3453,12 @@
           <a:p>
             <a:pPr algn="ctr"/>
             <a:r>
-              <a:rPr lang="es-ES" sz="1200" b="1" dirty="0" smtClean="0">
+              <a:rPr lang="es-ES" sz="1200" b="1" dirty="0">
                 <a:latin typeface="Arial" panose="020B0604020202020204" pitchFamily="34" charset="0"/>
                 <a:cs typeface="Arial" panose="020B0604020202020204" pitchFamily="34" charset="0"/>
               </a:rPr>
               <a:t>Adición y sustracción</a:t>
             </a:r>
-            <a:endParaRPr lang="es-ES" sz="1200" b="1" dirty="0">
-              <a:latin typeface="Arial" panose="020B0604020202020204" pitchFamily="34" charset="0"/>
-              <a:cs typeface="Arial" panose="020B0604020202020204" pitchFamily="34" charset="0"/>
-            </a:endParaRPr>
           </a:p>
         </p:txBody>
       </p:sp>
@@ -3567,8 +3473,8 @@
         </p:nvCxnSpPr>
         <p:spPr>
           <a:xfrm rot="5400000">
-            <a:off x="4334752" y="-905966"/>
-            <a:ext cx="776389" cy="5271320"/>
+            <a:off x="4568433" y="-672285"/>
+            <a:ext cx="776389" cy="4803959"/>
           </a:xfrm>
           <a:prstGeom prst="bentConnector3">
             <a:avLst>
@@ -3604,7 +3510,7 @@
         </p:nvSpPr>
         <p:spPr>
           <a:xfrm>
-            <a:off x="3541447" y="2117889"/>
+            <a:off x="3673527" y="2117889"/>
             <a:ext cx="1375154" cy="439782"/>
           </a:xfrm>
           <a:prstGeom prst="rect">
@@ -3646,16 +3552,12 @@
           <a:p>
             <a:pPr algn="ctr"/>
             <a:r>
-              <a:rPr lang="es-ES" sz="1200" b="1" dirty="0" smtClean="0">
+              <a:rPr lang="es-ES" sz="1200" b="1" dirty="0">
                 <a:latin typeface="Arial" panose="020B0604020202020204" pitchFamily="34" charset="0"/>
                 <a:cs typeface="Arial" panose="020B0604020202020204" pitchFamily="34" charset="0"/>
               </a:rPr>
               <a:t>Multiplicación</a:t>
             </a:r>
-            <a:endParaRPr lang="es-ES" sz="1200" b="1" dirty="0">
-              <a:latin typeface="Arial" panose="020B0604020202020204" pitchFamily="34" charset="0"/>
-              <a:cs typeface="Arial" panose="020B0604020202020204" pitchFamily="34" charset="0"/>
-            </a:endParaRPr>
           </a:p>
         </p:txBody>
       </p:sp>
@@ -3670,8 +3572,8 @@
         </p:nvCxnSpPr>
         <p:spPr>
           <a:xfrm rot="5400000">
-            <a:off x="5405621" y="164903"/>
-            <a:ext cx="776389" cy="3129582"/>
+            <a:off x="5471661" y="230943"/>
+            <a:ext cx="776389" cy="2997502"/>
           </a:xfrm>
           <a:prstGeom prst="bentConnector3">
             <a:avLst>
@@ -3707,8 +3609,8 @@
         </p:nvSpPr>
         <p:spPr>
           <a:xfrm>
-            <a:off x="3265128" y="3195875"/>
-            <a:ext cx="1927792" cy="597982"/>
+            <a:off x="3621260" y="3195874"/>
+            <a:ext cx="1464033" cy="743577"/>
           </a:xfrm>
           <a:prstGeom prst="rect">
             <a:avLst/>
@@ -3751,35 +3653,8 @@
                 <a:latin typeface="Arial" panose="020B0604020202020204" pitchFamily="34" charset="0"/>
                 <a:cs typeface="Arial" panose="020B0604020202020204" pitchFamily="34" charset="0"/>
               </a:rPr>
-              <a:t>s</a:t>
-            </a:r>
-            <a:r>
-              <a:rPr lang="es-ES" sz="1050" dirty="0" smtClean="0">
-                <a:solidFill>
-                  <a:schemeClr val="bg1"/>
-                </a:solidFill>
-                <a:latin typeface="Arial" panose="020B0604020202020204" pitchFamily="34" charset="0"/>
-                <a:cs typeface="Arial" panose="020B0604020202020204" pitchFamily="34" charset="0"/>
-              </a:rPr>
-              <a:t>e </a:t>
-            </a:r>
-            <a:r>
-              <a:rPr lang="es-ES" sz="1050" dirty="0" smtClean="0">
-                <a:solidFill>
-                  <a:schemeClr val="bg1"/>
-                </a:solidFill>
-                <a:latin typeface="Arial" panose="020B0604020202020204" pitchFamily="34" charset="0"/>
-                <a:cs typeface="Arial" panose="020B0604020202020204" pitchFamily="34" charset="0"/>
-              </a:rPr>
-              <a:t>multiplican los números como si fueran naturales</a:t>
-            </a:r>
-            <a:endParaRPr lang="es-ES" sz="1050" dirty="0">
-              <a:solidFill>
-                <a:schemeClr val="bg1"/>
-              </a:solidFill>
-              <a:latin typeface="Arial" panose="020B0604020202020204" pitchFamily="34" charset="0"/>
-              <a:cs typeface="Arial" panose="020B0604020202020204" pitchFamily="34" charset="0"/>
-            </a:endParaRPr>
+              <a:t>se multiplican los números como si fueran naturales</a:t>
+            </a:r>
           </a:p>
         </p:txBody>
       </p:sp>
@@ -3831,8 +3706,8 @@
         </p:nvSpPr>
         <p:spPr>
           <a:xfrm>
-            <a:off x="1363518" y="3195876"/>
-            <a:ext cx="1447537" cy="503070"/>
+            <a:off x="1830878" y="3195876"/>
+            <a:ext cx="1447537" cy="738432"/>
           </a:xfrm>
           <a:prstGeom prst="rect">
             <a:avLst/>
@@ -3868,32 +3743,15 @@
           <a:p>
             <a:pPr algn="ctr"/>
             <a:r>
-              <a:rPr lang="es-ES" sz="1050" dirty="0" smtClean="0">
+              <a:rPr lang="es-ES" sz="1050" dirty="0">
                 <a:solidFill>
                   <a:schemeClr val="bg1"/>
                 </a:solidFill>
                 <a:latin typeface="Arial" panose="020B0604020202020204" pitchFamily="34" charset="0"/>
                 <a:cs typeface="Arial" panose="020B0604020202020204" pitchFamily="34" charset="0"/>
               </a:rPr>
-              <a:t>a</a:t>
-            </a:r>
-            <a:r>
-              <a:rPr lang="es-ES" sz="1050" dirty="0" smtClean="0">
-                <a:solidFill>
-                  <a:schemeClr val="bg1"/>
-                </a:solidFill>
-                <a:latin typeface="Arial" panose="020B0604020202020204" pitchFamily="34" charset="0"/>
-                <a:cs typeface="Arial" panose="020B0604020202020204" pitchFamily="34" charset="0"/>
-              </a:rPr>
-              <a:t>linear las comas verticalmente</a:t>
-            </a:r>
-            <a:endParaRPr lang="es-ES" sz="1050" dirty="0">
-              <a:solidFill>
-                <a:schemeClr val="bg1"/>
-              </a:solidFill>
-              <a:latin typeface="Arial" panose="020B0604020202020204" pitchFamily="34" charset="0"/>
-              <a:cs typeface="Arial" panose="020B0604020202020204" pitchFamily="34" charset="0"/>
-            </a:endParaRPr>
+              <a:t>alinear las comas verticalmente</a:t>
+            </a:r>
           </a:p>
         </p:txBody>
       </p:sp>
@@ -3908,8 +3766,8 @@
         </p:nvCxnSpPr>
         <p:spPr>
           <a:xfrm rot="5400000">
-            <a:off x="1972762" y="2672195"/>
-            <a:ext cx="229048" cy="12700"/>
+            <a:off x="2440123" y="2672195"/>
+            <a:ext cx="229048" cy="1"/>
           </a:xfrm>
           <a:prstGeom prst="bentConnector3">
             <a:avLst>
@@ -3948,8 +3806,8 @@
         </p:nvCxnSpPr>
         <p:spPr>
           <a:xfrm flipV="1">
-            <a:off x="4229024" y="2557671"/>
-            <a:ext cx="0" cy="638204"/>
+            <a:off x="4353277" y="2557671"/>
+            <a:ext cx="7827" cy="638203"/>
           </a:xfrm>
           <a:prstGeom prst="line">
             <a:avLst/>
@@ -4023,8 +3881,8 @@
         </p:nvSpPr>
         <p:spPr>
           <a:xfrm>
-            <a:off x="1494644" y="4394188"/>
-            <a:ext cx="1185285" cy="522125"/>
+            <a:off x="1830878" y="4394188"/>
+            <a:ext cx="1447537" cy="522125"/>
           </a:xfrm>
           <a:prstGeom prst="rect">
             <a:avLst/>
@@ -4060,7 +3918,7 @@
           <a:p>
             <a:pPr algn="ctr"/>
             <a:r>
-              <a:rPr lang="es-ES" sz="900" dirty="0" smtClean="0">
+              <a:rPr lang="es-ES" sz="900" dirty="0">
                 <a:solidFill>
                   <a:schemeClr val="tx1"/>
                 </a:solidFill>
@@ -4069,13 +3927,6 @@
               </a:rPr>
               <a:t>adicionar cada valor por orden de magnitud</a:t>
             </a:r>
-            <a:endParaRPr lang="es-ES" sz="900" dirty="0">
-              <a:solidFill>
-                <a:schemeClr val="tx1"/>
-              </a:solidFill>
-              <a:latin typeface="Arial" panose="020B0604020202020204" pitchFamily="34" charset="0"/>
-              <a:cs typeface="Arial" panose="020B0604020202020204" pitchFamily="34" charset="0"/>
-            </a:endParaRPr>
           </a:p>
         </p:txBody>
       </p:sp>
@@ -4087,8 +3938,8 @@
         </p:nvSpPr>
         <p:spPr>
           <a:xfrm>
-            <a:off x="1699977" y="3877932"/>
-            <a:ext cx="774618" cy="230832"/>
+            <a:off x="2167337" y="4040825"/>
+            <a:ext cx="774618" cy="209847"/>
           </a:xfrm>
           <a:prstGeom prst="rect">
             <a:avLst/>
@@ -4103,16 +3954,12 @@
           <a:p>
             <a:pPr algn="ctr"/>
             <a:r>
-              <a:rPr lang="es-ES" sz="900" dirty="0" smtClean="0">
+              <a:rPr lang="es-ES" sz="900" dirty="0">
                 <a:latin typeface="Arial" panose="020B0604020202020204" pitchFamily="34" charset="0"/>
                 <a:cs typeface="Arial" panose="020B0604020202020204" pitchFamily="34" charset="0"/>
               </a:rPr>
               <a:t>luego</a:t>
             </a:r>
-            <a:endParaRPr lang="es-ES" sz="900" dirty="0">
-              <a:latin typeface="Arial" panose="020B0604020202020204" pitchFamily="34" charset="0"/>
-              <a:cs typeface="Arial" panose="020B0604020202020204" pitchFamily="34" charset="0"/>
-            </a:endParaRPr>
           </a:p>
         </p:txBody>
       </p:sp>
@@ -4127,8 +3974,8 @@
         </p:nvCxnSpPr>
         <p:spPr>
           <a:xfrm flipV="1">
-            <a:off x="2087286" y="3698946"/>
-            <a:ext cx="1" cy="178986"/>
+            <a:off x="2554646" y="3934308"/>
+            <a:ext cx="1" cy="106517"/>
           </a:xfrm>
           <a:prstGeom prst="line">
             <a:avLst/>
@@ -4165,8 +4012,8 @@
         </p:nvCxnSpPr>
         <p:spPr>
           <a:xfrm flipH="1" flipV="1">
-            <a:off x="2087286" y="4108764"/>
-            <a:ext cx="1" cy="285424"/>
+            <a:off x="2554646" y="4250672"/>
+            <a:ext cx="1" cy="143516"/>
           </a:xfrm>
           <a:prstGeom prst="line">
             <a:avLst/>
@@ -4200,8 +4047,8 @@
         </p:nvSpPr>
         <p:spPr>
           <a:xfrm>
-            <a:off x="1494644" y="5508192"/>
-            <a:ext cx="1185285" cy="840520"/>
+            <a:off x="1830878" y="5508192"/>
+            <a:ext cx="1447537" cy="840520"/>
           </a:xfrm>
           <a:prstGeom prst="rect">
             <a:avLst/>
@@ -4242,25 +4089,8 @@
                 <a:latin typeface="Arial" panose="020B0604020202020204" pitchFamily="34" charset="0"/>
                 <a:cs typeface="Arial" panose="020B0604020202020204" pitchFamily="34" charset="0"/>
               </a:rPr>
-              <a:t>e</a:t>
-            </a:r>
-            <a:r>
-              <a:rPr lang="es-ES" sz="900" dirty="0" smtClean="0">
-                <a:solidFill>
-                  <a:schemeClr val="tx1"/>
-                </a:solidFill>
-                <a:latin typeface="Arial" panose="020B0604020202020204" pitchFamily="34" charset="0"/>
-                <a:cs typeface="Arial" panose="020B0604020202020204" pitchFamily="34" charset="0"/>
-              </a:rPr>
-              <a:t>l resultado tiene la coma alineada verticalmente con los sumandos</a:t>
-            </a:r>
-            <a:endParaRPr lang="es-ES" sz="900" dirty="0">
-              <a:solidFill>
-                <a:schemeClr val="tx1"/>
-              </a:solidFill>
-              <a:latin typeface="Arial" panose="020B0604020202020204" pitchFamily="34" charset="0"/>
-              <a:cs typeface="Arial" panose="020B0604020202020204" pitchFamily="34" charset="0"/>
-            </a:endParaRPr>
+              <a:t>el resultado tiene la coma alineada verticalmente con los sumandos</a:t>
+            </a:r>
           </a:p>
         </p:txBody>
       </p:sp>
@@ -4275,7 +4105,7 @@
         </p:nvCxnSpPr>
         <p:spPr>
           <a:xfrm flipV="1">
-            <a:off x="2087286" y="4916313"/>
+            <a:off x="2554646" y="4916313"/>
             <a:ext cx="1" cy="228058"/>
           </a:xfrm>
           <a:prstGeom prst="line">
@@ -4312,9 +4142,9 @@
           <p:nvPr/>
         </p:nvCxnSpPr>
         <p:spPr>
-          <a:xfrm flipV="1">
-            <a:off x="4229024" y="3793857"/>
-            <a:ext cx="0" cy="193805"/>
+          <a:xfrm flipH="1" flipV="1">
+            <a:off x="4353277" y="3939451"/>
+            <a:ext cx="7827" cy="89184"/>
           </a:xfrm>
           <a:prstGeom prst="line">
             <a:avLst/>
@@ -4348,8 +4178,8 @@
         </p:nvSpPr>
         <p:spPr>
           <a:xfrm>
-            <a:off x="3333813" y="4362872"/>
-            <a:ext cx="1790423" cy="924870"/>
+            <a:off x="3621260" y="4362872"/>
+            <a:ext cx="1479688" cy="1145320"/>
           </a:xfrm>
           <a:prstGeom prst="rect">
             <a:avLst/>
@@ -4385,7 +4215,7 @@
           <a:p>
             <a:pPr algn="ctr"/>
             <a:r>
-              <a:rPr lang="es-ES" sz="900" dirty="0" smtClean="0">
+              <a:rPr lang="es-ES" sz="900" dirty="0">
                 <a:solidFill>
                   <a:schemeClr val="tx1"/>
                 </a:solidFill>
@@ -4464,16 +4294,12 @@
           <a:p>
             <a:pPr algn="ctr"/>
             <a:r>
-              <a:rPr lang="es-ES" sz="1200" b="1" dirty="0" smtClean="0">
+              <a:rPr lang="es-ES" sz="1200" b="1" dirty="0">
                 <a:latin typeface="Arial" panose="020B0604020202020204" pitchFamily="34" charset="0"/>
                 <a:cs typeface="Arial" panose="020B0604020202020204" pitchFamily="34" charset="0"/>
               </a:rPr>
               <a:t>División</a:t>
             </a:r>
-            <a:endParaRPr lang="es-ES" sz="1200" b="1" dirty="0">
-              <a:latin typeface="Arial" panose="020B0604020202020204" pitchFamily="34" charset="0"/>
-              <a:cs typeface="Arial" panose="020B0604020202020204" pitchFamily="34" charset="0"/>
-            </a:endParaRPr>
           </a:p>
         </p:txBody>
       </p:sp>
@@ -4522,16 +4348,6 @@
           <a:p>
             <a:pPr algn="ctr"/>
             <a:r>
-              <a:rPr lang="es-ES" sz="1050" dirty="0" smtClean="0">
-                <a:solidFill>
-                  <a:schemeClr val="bg1"/>
-                </a:solidFill>
-                <a:latin typeface="Arial" panose="020B0604020202020204" pitchFamily="34" charset="0"/>
-                <a:cs typeface="Arial" panose="020B0604020202020204" pitchFamily="34" charset="0"/>
-              </a:rPr>
-              <a:t>dividendo </a:t>
-            </a:r>
-            <a:r>
               <a:rPr lang="es-ES" sz="1050" dirty="0">
                 <a:solidFill>
                   <a:schemeClr val="bg1"/>
@@ -4539,25 +4355,8 @@
                 <a:latin typeface="Arial" panose="020B0604020202020204" pitchFamily="34" charset="0"/>
                 <a:cs typeface="Arial" panose="020B0604020202020204" pitchFamily="34" charset="0"/>
               </a:rPr>
-              <a:t>número decimal y divisor número </a:t>
-            </a:r>
-            <a:r>
-              <a:rPr lang="es-ES" sz="1050" dirty="0" smtClean="0">
-                <a:solidFill>
-                  <a:schemeClr val="bg1"/>
-                </a:solidFill>
-                <a:latin typeface="Arial" panose="020B0604020202020204" pitchFamily="34" charset="0"/>
-                <a:cs typeface="Arial" panose="020B0604020202020204" pitchFamily="34" charset="0"/>
-              </a:rPr>
-              <a:t>natural</a:t>
-            </a:r>
-            <a:endParaRPr lang="es-ES" sz="1050" dirty="0">
-              <a:solidFill>
-                <a:schemeClr val="bg1"/>
-              </a:solidFill>
-              <a:latin typeface="Arial" panose="020B0604020202020204" pitchFamily="34" charset="0"/>
-              <a:cs typeface="Arial" panose="020B0604020202020204" pitchFamily="34" charset="0"/>
-            </a:endParaRPr>
+              <a:t>dividendo número decimal y divisor número natural</a:t>
+            </a:r>
           </a:p>
         </p:txBody>
       </p:sp>
@@ -4651,57 +4450,7 @@
                 <a:latin typeface="Arial" panose="020B0604020202020204" pitchFamily="34" charset="0"/>
                 <a:cs typeface="Arial" panose="020B0604020202020204" pitchFamily="34" charset="0"/>
               </a:rPr>
-              <a:t>la división se hace como si se tratara de números naturales, </a:t>
-            </a:r>
-            <a:r>
-              <a:rPr lang="es-CO" sz="900" dirty="0" smtClean="0">
-                <a:solidFill>
-                  <a:schemeClr val="tx1"/>
-                </a:solidFill>
-                <a:latin typeface="Arial" panose="020B0604020202020204" pitchFamily="34" charset="0"/>
-                <a:cs typeface="Arial" panose="020B0604020202020204" pitchFamily="34" charset="0"/>
-              </a:rPr>
-              <a:t>colocando en el </a:t>
-            </a:r>
-            <a:r>
-              <a:rPr lang="es-CO" sz="900" dirty="0">
-                <a:solidFill>
-                  <a:schemeClr val="tx1"/>
-                </a:solidFill>
-                <a:latin typeface="Arial" panose="020B0604020202020204" pitchFamily="34" charset="0"/>
-                <a:cs typeface="Arial" panose="020B0604020202020204" pitchFamily="34" charset="0"/>
-              </a:rPr>
-              <a:t>cociente </a:t>
-            </a:r>
-            <a:r>
-              <a:rPr lang="es-CO" sz="900" dirty="0" smtClean="0">
-                <a:solidFill>
-                  <a:schemeClr val="tx1"/>
-                </a:solidFill>
-                <a:latin typeface="Arial" panose="020B0604020202020204" pitchFamily="34" charset="0"/>
-                <a:cs typeface="Arial" panose="020B0604020202020204" pitchFamily="34" charset="0"/>
-              </a:rPr>
-              <a:t>la coma </a:t>
-            </a:r>
-            <a:r>
-              <a:rPr lang="es-CO" sz="900" dirty="0">
-                <a:solidFill>
-                  <a:schemeClr val="tx1"/>
-                </a:solidFill>
-                <a:latin typeface="Arial" panose="020B0604020202020204" pitchFamily="34" charset="0"/>
-                <a:cs typeface="Arial" panose="020B0604020202020204" pitchFamily="34" charset="0"/>
-              </a:rPr>
-              <a:t>al bajar la primera cifra </a:t>
-            </a:r>
-            <a:r>
-              <a:rPr lang="es-CO" sz="900" dirty="0" smtClean="0">
-                <a:solidFill>
-                  <a:schemeClr val="tx1"/>
-                </a:solidFill>
-                <a:latin typeface="Arial" panose="020B0604020202020204" pitchFamily="34" charset="0"/>
-                <a:cs typeface="Arial" panose="020B0604020202020204" pitchFamily="34" charset="0"/>
-              </a:rPr>
-              <a:t>decimal</a:t>
+              <a:t>la división se hace como si se tratara de números naturales, colocando en el cociente la coma al bajar la primera cifra decimal</a:t>
             </a:r>
             <a:endParaRPr lang="es-ES" sz="900" dirty="0">
               <a:solidFill>
@@ -4763,16 +4512,12 @@
           <a:p>
             <a:pPr algn="ctr"/>
             <a:r>
-              <a:rPr lang="es-ES" sz="1200" b="1" dirty="0" smtClean="0">
+              <a:rPr lang="es-ES" sz="1200" b="1" dirty="0">
                 <a:latin typeface="Arial" panose="020B0604020202020204" pitchFamily="34" charset="0"/>
                 <a:cs typeface="Arial" panose="020B0604020202020204" pitchFamily="34" charset="0"/>
               </a:rPr>
               <a:t>Operaciones combinadas</a:t>
             </a:r>
-            <a:endParaRPr lang="es-ES" sz="1200" b="1" dirty="0">
-              <a:latin typeface="Arial" panose="020B0604020202020204" pitchFamily="34" charset="0"/>
-              <a:cs typeface="Arial" panose="020B0604020202020204" pitchFamily="34" charset="0"/>
-            </a:endParaRPr>
           </a:p>
         </p:txBody>
       </p:sp>
@@ -4784,8 +4529,8 @@
         </p:nvSpPr>
         <p:spPr>
           <a:xfrm>
-            <a:off x="10598197" y="3146007"/>
-            <a:ext cx="1927792" cy="597982"/>
+            <a:off x="10598197" y="3189790"/>
+            <a:ext cx="1927792" cy="744517"/>
           </a:xfrm>
           <a:prstGeom prst="rect">
             <a:avLst/>
@@ -4828,25 +4573,8 @@
                 <a:latin typeface="Arial" panose="020B0604020202020204" pitchFamily="34" charset="0"/>
                 <a:cs typeface="Arial" panose="020B0604020202020204" pitchFamily="34" charset="0"/>
               </a:rPr>
-              <a:t>s</a:t>
-            </a:r>
-            <a:r>
-              <a:rPr lang="es-ES" sz="1050" dirty="0" smtClean="0">
-                <a:solidFill>
-                  <a:schemeClr val="bg1"/>
-                </a:solidFill>
-                <a:latin typeface="Arial" panose="020B0604020202020204" pitchFamily="34" charset="0"/>
-                <a:cs typeface="Arial" panose="020B0604020202020204" pitchFamily="34" charset="0"/>
-              </a:rPr>
-              <a:t>e solucionan teniendo en cuenta la jerarquía de las operaciones</a:t>
-            </a:r>
-            <a:endParaRPr lang="es-ES" sz="1050" dirty="0">
-              <a:solidFill>
-                <a:schemeClr val="bg1"/>
-              </a:solidFill>
-              <a:latin typeface="Arial" panose="020B0604020202020204" pitchFamily="34" charset="0"/>
-              <a:cs typeface="Arial" panose="020B0604020202020204" pitchFamily="34" charset="0"/>
-            </a:endParaRPr>
+              <a:t>se solucionan teniendo en cuenta la jerarquía de las operaciones</a:t>
+            </a:r>
           </a:p>
         </p:txBody>
       </p:sp>
@@ -4862,7 +4590,7 @@
         <p:spPr>
           <a:xfrm flipV="1">
             <a:off x="11562093" y="2557671"/>
-            <a:ext cx="0" cy="588336"/>
+            <a:ext cx="0" cy="632119"/>
           </a:xfrm>
           <a:prstGeom prst="line">
             <a:avLst/>
@@ -4896,7 +4624,7 @@
         </p:nvSpPr>
         <p:spPr>
           <a:xfrm>
-            <a:off x="1699977" y="5144371"/>
+            <a:off x="2167337" y="5144371"/>
             <a:ext cx="774618" cy="230832"/>
           </a:xfrm>
           <a:prstGeom prst="rect">
@@ -4912,16 +4640,12 @@
           <a:p>
             <a:pPr algn="ctr"/>
             <a:r>
-              <a:rPr lang="es-ES" sz="900" dirty="0" smtClean="0">
+              <a:rPr lang="es-ES" sz="900" dirty="0">
                 <a:latin typeface="Arial" panose="020B0604020202020204" pitchFamily="34" charset="0"/>
                 <a:cs typeface="Arial" panose="020B0604020202020204" pitchFamily="34" charset="0"/>
               </a:rPr>
               <a:t>finalmente</a:t>
             </a:r>
-            <a:endParaRPr lang="es-ES" sz="900" dirty="0">
-              <a:latin typeface="Arial" panose="020B0604020202020204" pitchFamily="34" charset="0"/>
-              <a:cs typeface="Arial" panose="020B0604020202020204" pitchFamily="34" charset="0"/>
-            </a:endParaRPr>
           </a:p>
         </p:txBody>
       </p:sp>
@@ -4936,7 +4660,7 @@
         </p:nvCxnSpPr>
         <p:spPr>
           <a:xfrm flipH="1" flipV="1">
-            <a:off x="2087286" y="5375203"/>
+            <a:off x="2554646" y="5375203"/>
             <a:ext cx="1" cy="132989"/>
           </a:xfrm>
           <a:prstGeom prst="line">
@@ -5008,24 +4732,8 @@
           <a:p>
             <a:pPr algn="ctr"/>
             <a:r>
-              <a:rPr lang="es-ES_tradnl" sz="900" dirty="0" smtClean="0"/>
-              <a:t>2</a:t>
-            </a:r>
-            <a:r>
               <a:rPr lang="es-ES_tradnl" sz="900" dirty="0"/>
-              <a:t>. </a:t>
-            </a:r>
-            <a:r>
-              <a:rPr lang="es-ES_tradnl" sz="900" dirty="0" smtClean="0"/>
-              <a:t>calcular </a:t>
-            </a:r>
-            <a:r>
-              <a:rPr lang="es-ES_tradnl" sz="900" dirty="0"/>
-              <a:t>productos y </a:t>
-            </a:r>
-            <a:r>
-              <a:rPr lang="es-ES_tradnl" sz="900" dirty="0" smtClean="0"/>
-              <a:t>cocientes</a:t>
+              <a:t>2. calcular productos y cocientes</a:t>
             </a:r>
             <a:endParaRPr lang="es-CO" sz="900" dirty="0"/>
           </a:p>
@@ -5076,24 +4784,8 @@
           <a:p>
             <a:pPr algn="ctr"/>
             <a:r>
-              <a:rPr lang="es-ES_tradnl" sz="900" dirty="0" smtClean="0"/>
-              <a:t>3</a:t>
-            </a:r>
-            <a:r>
               <a:rPr lang="es-ES_tradnl" sz="900" dirty="0"/>
-              <a:t>. </a:t>
-            </a:r>
-            <a:r>
-              <a:rPr lang="es-ES_tradnl" sz="900" dirty="0" smtClean="0"/>
-              <a:t>efectuar </a:t>
-            </a:r>
-            <a:r>
-              <a:rPr lang="es-ES_tradnl" sz="900" dirty="0"/>
-              <a:t>adiciones y </a:t>
-            </a:r>
-            <a:r>
-              <a:rPr lang="es-ES_tradnl" sz="900" dirty="0" smtClean="0"/>
-              <a:t>sustracciones</a:t>
+              <a:t>3. efectuar adiciones y sustracciones</a:t>
             </a:r>
             <a:endParaRPr lang="es-ES" sz="900" dirty="0">
               <a:solidFill>
@@ -5116,8 +4808,8 @@
         </p:nvCxnSpPr>
         <p:spPr>
           <a:xfrm rot="16200000" flipH="1">
-            <a:off x="11942030" y="3364052"/>
-            <a:ext cx="584719" cy="1344592"/>
+            <a:off x="12037189" y="3459211"/>
+            <a:ext cx="394401" cy="1344592"/>
           </a:xfrm>
           <a:prstGeom prst="bentConnector3">
             <a:avLst>
@@ -5156,8 +4848,8 @@
         </p:nvCxnSpPr>
         <p:spPr>
           <a:xfrm rot="16200000" flipH="1">
-            <a:off x="11270213" y="4035869"/>
-            <a:ext cx="584719" cy="958"/>
+            <a:off x="11365372" y="4131028"/>
+            <a:ext cx="394401" cy="958"/>
           </a:xfrm>
           <a:prstGeom prst="bentConnector3">
             <a:avLst>
@@ -5193,8 +4885,8 @@
         </p:nvSpPr>
         <p:spPr>
           <a:xfrm>
-            <a:off x="1390465" y="6992584"/>
-            <a:ext cx="1393642" cy="544052"/>
+            <a:off x="1830878" y="6992584"/>
+            <a:ext cx="1447537" cy="544052"/>
           </a:xfrm>
           <a:prstGeom prst="rect">
             <a:avLst/>
@@ -5228,7 +4920,7 @@
           <a:p>
             <a:pPr algn="ctr"/>
             <a:r>
-              <a:rPr lang="es-ES" sz="900" dirty="0" smtClean="0">
+              <a:rPr lang="es-ES" sz="900" dirty="0">
                 <a:solidFill>
                   <a:schemeClr val="tx1"/>
                 </a:solidFill>
@@ -5237,13 +4929,6 @@
               </a:rPr>
               <a:t>aproximar el resultado </a:t>
             </a:r>
-            <a:endParaRPr lang="es-ES" sz="900" dirty="0">
-              <a:solidFill>
-                <a:schemeClr val="tx1"/>
-              </a:solidFill>
-              <a:latin typeface="Arial" panose="020B0604020202020204" pitchFamily="34" charset="0"/>
-              <a:cs typeface="Arial" panose="020B0604020202020204" pitchFamily="34" charset="0"/>
-            </a:endParaRPr>
           </a:p>
         </p:txBody>
       </p:sp>
@@ -5258,7 +4943,7 @@
         </p:nvCxnSpPr>
         <p:spPr>
           <a:xfrm flipV="1">
-            <a:off x="2087286" y="6348712"/>
+            <a:off x="2554646" y="6348712"/>
             <a:ext cx="1" cy="206520"/>
           </a:xfrm>
           <a:prstGeom prst="line">
@@ -5293,7 +4978,7 @@
         </p:nvSpPr>
         <p:spPr>
           <a:xfrm>
-            <a:off x="1699977" y="2786719"/>
+            <a:off x="2167337" y="2786719"/>
             <a:ext cx="774618" cy="230832"/>
           </a:xfrm>
           <a:prstGeom prst="rect">
@@ -5309,16 +4994,12 @@
           <a:p>
             <a:pPr algn="ctr"/>
             <a:r>
-              <a:rPr lang="es-ES" sz="900" dirty="0" smtClean="0">
+              <a:rPr lang="es-ES" sz="900" dirty="0">
                 <a:latin typeface="Arial" panose="020B0604020202020204" pitchFamily="34" charset="0"/>
                 <a:cs typeface="Arial" panose="020B0604020202020204" pitchFamily="34" charset="0"/>
               </a:rPr>
               <a:t>se debe</a:t>
             </a:r>
-            <a:endParaRPr lang="es-ES" sz="900" dirty="0">
-              <a:latin typeface="Arial" panose="020B0604020202020204" pitchFamily="34" charset="0"/>
-              <a:cs typeface="Arial" panose="020B0604020202020204" pitchFamily="34" charset="0"/>
-            </a:endParaRPr>
           </a:p>
         </p:txBody>
       </p:sp>
@@ -5333,7 +5014,7 @@
         </p:nvCxnSpPr>
         <p:spPr>
           <a:xfrm rot="16200000" flipH="1">
-            <a:off x="1998124" y="3106712"/>
+            <a:off x="2465484" y="3106712"/>
             <a:ext cx="178325" cy="1"/>
           </a:xfrm>
           <a:prstGeom prst="bentConnector3">
@@ -5370,7 +5051,7 @@
         </p:nvSpPr>
         <p:spPr>
           <a:xfrm>
-            <a:off x="1699977" y="6555232"/>
+            <a:off x="2167337" y="6555232"/>
             <a:ext cx="774618" cy="230832"/>
           </a:xfrm>
           <a:prstGeom prst="rect">
@@ -5386,16 +5067,12 @@
           <a:p>
             <a:pPr algn="ctr"/>
             <a:r>
-              <a:rPr lang="es-ES" sz="900" dirty="0" smtClean="0">
+              <a:rPr lang="es-ES" sz="900" dirty="0">
                 <a:latin typeface="Arial" panose="020B0604020202020204" pitchFamily="34" charset="0"/>
                 <a:cs typeface="Arial" panose="020B0604020202020204" pitchFamily="34" charset="0"/>
               </a:rPr>
               <a:t>se puede </a:t>
             </a:r>
-            <a:endParaRPr lang="es-ES" sz="900" dirty="0">
-              <a:latin typeface="Arial" panose="020B0604020202020204" pitchFamily="34" charset="0"/>
-              <a:cs typeface="Arial" panose="020B0604020202020204" pitchFamily="34" charset="0"/>
-            </a:endParaRPr>
           </a:p>
         </p:txBody>
       </p:sp>
@@ -5409,9 +5086,9 @@
           <p:nvPr/>
         </p:nvCxnSpPr>
         <p:spPr>
-          <a:xfrm flipV="1">
-            <a:off x="2087286" y="6786064"/>
-            <a:ext cx="0" cy="206520"/>
+          <a:xfrm flipH="1" flipV="1">
+            <a:off x="2554646" y="6786064"/>
+            <a:ext cx="1" cy="206520"/>
           </a:xfrm>
           <a:prstGeom prst="line">
             <a:avLst/>
@@ -5445,8 +5122,8 @@
         </p:nvSpPr>
         <p:spPr>
           <a:xfrm>
-            <a:off x="3841715" y="3987662"/>
-            <a:ext cx="774618" cy="230832"/>
+            <a:off x="3973795" y="4028635"/>
+            <a:ext cx="774618" cy="209847"/>
           </a:xfrm>
           <a:prstGeom prst="rect">
             <a:avLst/>
@@ -5461,16 +5138,12 @@
           <a:p>
             <a:pPr algn="ctr"/>
             <a:r>
-              <a:rPr lang="es-ES" sz="900" dirty="0" smtClean="0">
+              <a:rPr lang="es-ES" sz="900" dirty="0">
                 <a:latin typeface="Arial" panose="020B0604020202020204" pitchFamily="34" charset="0"/>
                 <a:cs typeface="Arial" panose="020B0604020202020204" pitchFamily="34" charset="0"/>
               </a:rPr>
               <a:t>luego</a:t>
             </a:r>
-            <a:endParaRPr lang="es-ES" sz="900" dirty="0">
-              <a:latin typeface="Arial" panose="020B0604020202020204" pitchFamily="34" charset="0"/>
-              <a:cs typeface="Arial" panose="020B0604020202020204" pitchFamily="34" charset="0"/>
-            </a:endParaRPr>
           </a:p>
         </p:txBody>
       </p:sp>
@@ -5484,9 +5157,9 @@
           <p:nvPr/>
         </p:nvCxnSpPr>
         <p:spPr>
-          <a:xfrm flipH="1" flipV="1">
-            <a:off x="4229024" y="4218494"/>
-            <a:ext cx="1" cy="144378"/>
+          <a:xfrm flipV="1">
+            <a:off x="4361104" y="4238482"/>
+            <a:ext cx="0" cy="124390"/>
           </a:xfrm>
           <a:prstGeom prst="line">
             <a:avLst/>
@@ -5520,8 +5193,8 @@
         </p:nvSpPr>
         <p:spPr>
           <a:xfrm>
-            <a:off x="3532203" y="6011180"/>
-            <a:ext cx="1393642" cy="544052"/>
+            <a:off x="3621260" y="6090746"/>
+            <a:ext cx="1479687" cy="544052"/>
           </a:xfrm>
           <a:prstGeom prst="rect">
             <a:avLst/>
@@ -5555,7 +5228,7 @@
           <a:p>
             <a:pPr algn="ctr"/>
             <a:r>
-              <a:rPr lang="es-ES" sz="900" dirty="0" smtClean="0">
+              <a:rPr lang="es-ES" sz="900" dirty="0">
                 <a:solidFill>
                   <a:schemeClr val="tx1"/>
                 </a:solidFill>
@@ -5564,13 +5237,6 @@
               </a:rPr>
               <a:t>aproximar el producto</a:t>
             </a:r>
-            <a:endParaRPr lang="es-ES" sz="900" dirty="0">
-              <a:solidFill>
-                <a:schemeClr val="tx1"/>
-              </a:solidFill>
-              <a:latin typeface="Arial" panose="020B0604020202020204" pitchFamily="34" charset="0"/>
-              <a:cs typeface="Arial" panose="020B0604020202020204" pitchFamily="34" charset="0"/>
-            </a:endParaRPr>
           </a:p>
         </p:txBody>
       </p:sp>
@@ -5582,7 +5248,7 @@
         </p:nvSpPr>
         <p:spPr>
           <a:xfrm>
-            <a:off x="3841715" y="5573828"/>
+            <a:off x="3973795" y="5675428"/>
             <a:ext cx="774618" cy="230832"/>
           </a:xfrm>
           <a:prstGeom prst="rect">
@@ -5598,16 +5264,12 @@
           <a:p>
             <a:pPr algn="ctr"/>
             <a:r>
-              <a:rPr lang="es-ES" sz="900" dirty="0" smtClean="0">
+              <a:rPr lang="es-ES" sz="900" dirty="0">
                 <a:latin typeface="Arial" panose="020B0604020202020204" pitchFamily="34" charset="0"/>
                 <a:cs typeface="Arial" panose="020B0604020202020204" pitchFamily="34" charset="0"/>
               </a:rPr>
               <a:t>se puede </a:t>
             </a:r>
-            <a:endParaRPr lang="es-ES" sz="900" dirty="0">
-              <a:latin typeface="Arial" panose="020B0604020202020204" pitchFamily="34" charset="0"/>
-              <a:cs typeface="Arial" panose="020B0604020202020204" pitchFamily="34" charset="0"/>
-            </a:endParaRPr>
           </a:p>
         </p:txBody>
       </p:sp>
@@ -5622,8 +5284,8 @@
         </p:nvCxnSpPr>
         <p:spPr>
           <a:xfrm flipV="1">
-            <a:off x="4229024" y="5804660"/>
-            <a:ext cx="0" cy="206520"/>
+            <a:off x="4361104" y="5906260"/>
+            <a:ext cx="0" cy="184486"/>
           </a:xfrm>
           <a:prstGeom prst="line">
             <a:avLst/>
@@ -5660,8 +5322,8 @@
         </p:nvCxnSpPr>
         <p:spPr>
           <a:xfrm flipV="1">
-            <a:off x="4229024" y="5287742"/>
-            <a:ext cx="1" cy="286086"/>
+            <a:off x="4361104" y="5508192"/>
+            <a:ext cx="0" cy="167236"/>
           </a:xfrm>
           <a:prstGeom prst="line">
             <a:avLst/>
@@ -5772,16 +5434,6 @@
           <a:p>
             <a:pPr algn="ctr"/>
             <a:r>
-              <a:rPr lang="es-ES" sz="1050" dirty="0" smtClean="0">
-                <a:solidFill>
-                  <a:schemeClr val="bg1"/>
-                </a:solidFill>
-                <a:latin typeface="Arial" panose="020B0604020202020204" pitchFamily="34" charset="0"/>
-                <a:cs typeface="Arial" panose="020B0604020202020204" pitchFamily="34" charset="0"/>
-              </a:rPr>
-              <a:t>dividendo </a:t>
-            </a:r>
-            <a:r>
               <a:rPr lang="es-ES" sz="1050" dirty="0">
                 <a:solidFill>
                   <a:schemeClr val="bg1"/>
@@ -5789,25 +5441,8 @@
                 <a:latin typeface="Arial" panose="020B0604020202020204" pitchFamily="34" charset="0"/>
                 <a:cs typeface="Arial" panose="020B0604020202020204" pitchFamily="34" charset="0"/>
               </a:rPr>
-              <a:t>número natural y divisor número </a:t>
-            </a:r>
-            <a:r>
-              <a:rPr lang="es-ES" sz="1050" dirty="0" smtClean="0">
-                <a:solidFill>
-                  <a:schemeClr val="bg1"/>
-                </a:solidFill>
-                <a:latin typeface="Arial" panose="020B0604020202020204" pitchFamily="34" charset="0"/>
-                <a:cs typeface="Arial" panose="020B0604020202020204" pitchFamily="34" charset="0"/>
-              </a:rPr>
-              <a:t>decimal</a:t>
-            </a:r>
-            <a:endParaRPr lang="es-ES" sz="1050" dirty="0">
-              <a:solidFill>
-                <a:schemeClr val="bg1"/>
-              </a:solidFill>
-              <a:latin typeface="Arial" panose="020B0604020202020204" pitchFamily="34" charset="0"/>
-              <a:cs typeface="Arial" panose="020B0604020202020204" pitchFamily="34" charset="0"/>
-            </a:endParaRPr>
+              <a:t>dividendo número natural y divisor número decimal</a:t>
+            </a:r>
           </a:p>
         </p:txBody>
       </p:sp>
@@ -5856,16 +5491,6 @@
           <a:p>
             <a:pPr algn="ctr"/>
             <a:r>
-              <a:rPr lang="es-CO" sz="1050" dirty="0" smtClean="0">
-                <a:solidFill>
-                  <a:schemeClr val="bg1"/>
-                </a:solidFill>
-                <a:latin typeface="Arial" panose="020B0604020202020204" pitchFamily="34" charset="0"/>
-                <a:cs typeface="Arial" panose="020B0604020202020204" pitchFamily="34" charset="0"/>
-              </a:rPr>
-              <a:t>dividendo </a:t>
-            </a:r>
-            <a:r>
               <a:rPr lang="es-CO" sz="1050" dirty="0">
                 <a:solidFill>
                   <a:schemeClr val="bg1"/>
@@ -5873,7 +5498,7 @@
                 <a:latin typeface="Arial" panose="020B0604020202020204" pitchFamily="34" charset="0"/>
                 <a:cs typeface="Arial" panose="020B0604020202020204" pitchFamily="34" charset="0"/>
               </a:rPr>
-              <a:t>y divisor números decimales</a:t>
+              <a:t>dividendo y divisor números decimales</a:t>
             </a:r>
             <a:endParaRPr lang="es-ES" sz="1050" dirty="0">
               <a:solidFill>
@@ -5993,19 +5618,8 @@
                 <a:latin typeface="Arial" panose="020B0604020202020204" pitchFamily="34" charset="0"/>
                 <a:cs typeface="Arial" panose="020B0604020202020204" pitchFamily="34" charset="0"/>
               </a:rPr>
-              <a:t>c</a:t>
-            </a:r>
-            <a:r>
-              <a:rPr lang="es-ES" sz="900" dirty="0" smtClean="0">
-                <a:latin typeface="Arial" panose="020B0604020202020204" pitchFamily="34" charset="0"/>
-                <a:cs typeface="Arial" panose="020B0604020202020204" pitchFamily="34" charset="0"/>
-              </a:rPr>
-              <a:t>uando tiene</a:t>
-            </a:r>
-            <a:endParaRPr lang="es-ES" sz="900" dirty="0">
-              <a:latin typeface="Arial" panose="020B0604020202020204" pitchFamily="34" charset="0"/>
-              <a:cs typeface="Arial" panose="020B0604020202020204" pitchFamily="34" charset="0"/>
-            </a:endParaRPr>
+              <a:t>cuando tiene</a:t>
+            </a:r>
           </a:p>
         </p:txBody>
       </p:sp>
@@ -6059,7 +5673,7 @@
         <p:spPr>
           <a:xfrm flipV="1">
             <a:off x="7358853" y="3939452"/>
-            <a:ext cx="1" cy="423080"/>
+            <a:ext cx="1" cy="392600"/>
           </a:xfrm>
           <a:prstGeom prst="line">
             <a:avLst/>
@@ -6093,7 +5707,7 @@
         </p:nvSpPr>
         <p:spPr>
           <a:xfrm>
-            <a:off x="6736346" y="4362532"/>
+            <a:off x="6736346" y="4332052"/>
             <a:ext cx="1245014" cy="1170200"/>
           </a:xfrm>
           <a:prstGeom prst="rect">
@@ -6259,8 +5873,8 @@
         </p:nvSpPr>
         <p:spPr>
           <a:xfrm>
-            <a:off x="7999126" y="6105719"/>
-            <a:ext cx="1393642" cy="544052"/>
+            <a:off x="8069291" y="6105719"/>
+            <a:ext cx="1249164" cy="544052"/>
           </a:xfrm>
           <a:prstGeom prst="rect">
             <a:avLst/>
@@ -6294,7 +5908,7 @@
           <a:p>
             <a:pPr algn="ctr"/>
             <a:r>
-              <a:rPr lang="es-ES" sz="900" dirty="0" smtClean="0">
+              <a:rPr lang="es-ES" sz="900" dirty="0">
                 <a:solidFill>
                   <a:schemeClr val="tx1"/>
                 </a:solidFill>
@@ -6303,13 +5917,6 @@
               </a:rPr>
               <a:t>se hace la división con dividendo natural y divisor decimal</a:t>
             </a:r>
-            <a:endParaRPr lang="es-ES" sz="900" dirty="0">
-              <a:solidFill>
-                <a:schemeClr val="tx1"/>
-              </a:solidFill>
-              <a:latin typeface="Arial" panose="020B0604020202020204" pitchFamily="34" charset="0"/>
-              <a:cs typeface="Arial" panose="020B0604020202020204" pitchFamily="34" charset="0"/>
-            </a:endParaRPr>
           </a:p>
         </p:txBody>
       </p:sp>
@@ -6325,7 +5932,7 @@
         <p:spPr>
           <a:xfrm flipV="1">
             <a:off x="8695947" y="5508192"/>
-            <a:ext cx="0" cy="91885"/>
+            <a:ext cx="0" cy="183325"/>
           </a:xfrm>
           <a:prstGeom prst="line">
             <a:avLst/>
@@ -6359,7 +5966,7 @@
         </p:nvSpPr>
         <p:spPr>
           <a:xfrm>
-            <a:off x="8308638" y="5600077"/>
+            <a:off x="8308638" y="5691517"/>
             <a:ext cx="774618" cy="230832"/>
           </a:xfrm>
           <a:prstGeom prst="rect">
@@ -6375,16 +5982,12 @@
           <a:p>
             <a:pPr algn="ctr"/>
             <a:r>
-              <a:rPr lang="es-ES" sz="900" dirty="0" smtClean="0">
+              <a:rPr lang="es-ES" sz="900" dirty="0">
                 <a:latin typeface="Arial" panose="020B0604020202020204" pitchFamily="34" charset="0"/>
                 <a:cs typeface="Arial" panose="020B0604020202020204" pitchFamily="34" charset="0"/>
               </a:rPr>
               <a:t>luego</a:t>
             </a:r>
-            <a:endParaRPr lang="es-ES" sz="900" dirty="0">
-              <a:latin typeface="Arial" panose="020B0604020202020204" pitchFamily="34" charset="0"/>
-              <a:cs typeface="Arial" panose="020B0604020202020204" pitchFamily="34" charset="0"/>
-            </a:endParaRPr>
           </a:p>
         </p:txBody>
       </p:sp>
@@ -6399,8 +6002,8 @@
         </p:nvCxnSpPr>
         <p:spPr>
           <a:xfrm flipV="1">
-            <a:off x="8695947" y="5830909"/>
-            <a:ext cx="0" cy="274810"/>
+            <a:off x="8693873" y="5922349"/>
+            <a:ext cx="2074" cy="183370"/>
           </a:xfrm>
           <a:prstGeom prst="line">
             <a:avLst/>
@@ -6434,8 +6037,8 @@
         </p:nvSpPr>
         <p:spPr>
           <a:xfrm>
-            <a:off x="6911133" y="6095824"/>
-            <a:ext cx="895440" cy="544052"/>
+            <a:off x="6732370" y="6095824"/>
+            <a:ext cx="1248989" cy="544052"/>
           </a:xfrm>
           <a:prstGeom prst="rect">
             <a:avLst/>
@@ -6469,7 +6072,7 @@
           <a:p>
             <a:pPr algn="ctr"/>
             <a:r>
-              <a:rPr lang="es-ES" sz="900" dirty="0" smtClean="0">
+              <a:rPr lang="es-ES" sz="900" dirty="0">
                 <a:solidFill>
                   <a:schemeClr val="tx1"/>
                 </a:solidFill>
@@ -6478,13 +6081,6 @@
               </a:rPr>
               <a:t>aproximar el cociente</a:t>
             </a:r>
-            <a:endParaRPr lang="es-ES" sz="900" dirty="0">
-              <a:solidFill>
-                <a:schemeClr val="tx1"/>
-              </a:solidFill>
-              <a:latin typeface="Arial" panose="020B0604020202020204" pitchFamily="34" charset="0"/>
-              <a:cs typeface="Arial" panose="020B0604020202020204" pitchFamily="34" charset="0"/>
-            </a:endParaRPr>
           </a:p>
         </p:txBody>
       </p:sp>
@@ -6512,16 +6108,12 @@
           <a:p>
             <a:pPr algn="ctr"/>
             <a:r>
-              <a:rPr lang="es-ES" sz="900" dirty="0" smtClean="0">
+              <a:rPr lang="es-ES" sz="900" dirty="0">
                 <a:latin typeface="Arial" panose="020B0604020202020204" pitchFamily="34" charset="0"/>
                 <a:cs typeface="Arial" panose="020B0604020202020204" pitchFamily="34" charset="0"/>
               </a:rPr>
               <a:t>se puede </a:t>
             </a:r>
-            <a:endParaRPr lang="es-ES" sz="900" dirty="0">
-              <a:latin typeface="Arial" panose="020B0604020202020204" pitchFamily="34" charset="0"/>
-              <a:cs typeface="Arial" panose="020B0604020202020204" pitchFamily="34" charset="0"/>
-            </a:endParaRPr>
           </a:p>
         </p:txBody>
       </p:sp>
@@ -6536,8 +6128,8 @@
         </p:nvCxnSpPr>
         <p:spPr>
           <a:xfrm flipV="1">
-            <a:off x="7358853" y="5889304"/>
-            <a:ext cx="0" cy="206520"/>
+            <a:off x="7356865" y="5889304"/>
+            <a:ext cx="1988" cy="206520"/>
           </a:xfrm>
           <a:prstGeom prst="line">
             <a:avLst/>
@@ -6574,8 +6166,8 @@
         </p:nvCxnSpPr>
         <p:spPr>
           <a:xfrm flipV="1">
-            <a:off x="7358853" y="5532732"/>
-            <a:ext cx="0" cy="125740"/>
+            <a:off x="7358853" y="5502252"/>
+            <a:ext cx="0" cy="156220"/>
           </a:xfrm>
           <a:prstGeom prst="line">
             <a:avLst/>
@@ -6609,8 +6201,8 @@
         </p:nvSpPr>
         <p:spPr>
           <a:xfrm>
-            <a:off x="5575019" y="6105719"/>
-            <a:ext cx="895440" cy="544052"/>
+            <a:off x="5395804" y="6105719"/>
+            <a:ext cx="1248633" cy="544052"/>
           </a:xfrm>
           <a:prstGeom prst="rect">
             <a:avLst/>
@@ -6644,7 +6236,7 @@
           <a:p>
             <a:pPr algn="ctr"/>
             <a:r>
-              <a:rPr lang="es-ES" sz="900" dirty="0" smtClean="0">
+              <a:rPr lang="es-ES" sz="900" dirty="0">
                 <a:solidFill>
                   <a:schemeClr val="tx1"/>
                 </a:solidFill>
@@ -6653,13 +6245,6 @@
               </a:rPr>
               <a:t>aproximar el cociente</a:t>
             </a:r>
-            <a:endParaRPr lang="es-ES" sz="900" dirty="0">
-              <a:solidFill>
-                <a:schemeClr val="tx1"/>
-              </a:solidFill>
-              <a:latin typeface="Arial" panose="020B0604020202020204" pitchFamily="34" charset="0"/>
-              <a:cs typeface="Arial" panose="020B0604020202020204" pitchFamily="34" charset="0"/>
-            </a:endParaRPr>
           </a:p>
         </p:txBody>
       </p:sp>
@@ -6687,16 +6272,12 @@
           <a:p>
             <a:pPr algn="ctr"/>
             <a:r>
-              <a:rPr lang="es-ES" sz="900" dirty="0" smtClean="0">
+              <a:rPr lang="es-ES" sz="900" dirty="0">
                 <a:latin typeface="Arial" panose="020B0604020202020204" pitchFamily="34" charset="0"/>
                 <a:cs typeface="Arial" panose="020B0604020202020204" pitchFamily="34" charset="0"/>
               </a:rPr>
               <a:t>se puede </a:t>
             </a:r>
-            <a:endParaRPr lang="es-ES" sz="900" dirty="0">
-              <a:latin typeface="Arial" panose="020B0604020202020204" pitchFamily="34" charset="0"/>
-              <a:cs typeface="Arial" panose="020B0604020202020204" pitchFamily="34" charset="0"/>
-            </a:endParaRPr>
           </a:p>
         </p:txBody>
       </p:sp>
@@ -6711,8 +6292,8 @@
         </p:nvCxnSpPr>
         <p:spPr>
           <a:xfrm flipV="1">
-            <a:off x="6022739" y="5899199"/>
-            <a:ext cx="0" cy="206520"/>
+            <a:off x="6020121" y="5899199"/>
+            <a:ext cx="2618" cy="206520"/>
           </a:xfrm>
           <a:prstGeom prst="line">
             <a:avLst/>
@@ -6822,19 +6403,7 @@
             <a:pPr algn="ctr"/>
             <a:r>
               <a:rPr lang="es-ES_tradnl" sz="900" dirty="0"/>
-              <a:t>1. </a:t>
-            </a:r>
-            <a:r>
-              <a:rPr lang="es-ES_tradnl" sz="900" dirty="0" smtClean="0"/>
-              <a:t>desarrollar </a:t>
-            </a:r>
-            <a:r>
-              <a:rPr lang="es-ES_tradnl" sz="900" dirty="0"/>
-              <a:t>las operaciones entre paréntesis, corchetes y </a:t>
-            </a:r>
-            <a:r>
-              <a:rPr lang="es-ES_tradnl" sz="900" dirty="0" smtClean="0"/>
-              <a:t>llaves</a:t>
+              <a:t>1. desarrollar las operaciones entre paréntesis, corchetes y llaves</a:t>
             </a:r>
             <a:endParaRPr lang="es-CO" sz="900" dirty="0"/>
           </a:p>
@@ -6848,8 +6417,8 @@
         </p:nvSpPr>
         <p:spPr>
           <a:xfrm>
-            <a:off x="9771696" y="5609678"/>
-            <a:ext cx="895440" cy="544052"/>
+            <a:off x="9623501" y="5609678"/>
+            <a:ext cx="1191830" cy="544052"/>
           </a:xfrm>
           <a:prstGeom prst="rect">
             <a:avLst/>
@@ -6883,7 +6452,7 @@
           <a:p>
             <a:pPr algn="ctr"/>
             <a:r>
-              <a:rPr lang="es-ES" sz="900" dirty="0" smtClean="0">
+              <a:rPr lang="es-ES" sz="900" dirty="0">
                 <a:solidFill>
                   <a:schemeClr val="tx1"/>
                 </a:solidFill>
@@ -6892,13 +6461,6 @@
               </a:rPr>
               <a:t>aproximar el resultado </a:t>
             </a:r>
-            <a:endParaRPr lang="es-ES" sz="900" dirty="0">
-              <a:solidFill>
-                <a:schemeClr val="tx1"/>
-              </a:solidFill>
-              <a:latin typeface="Arial" panose="020B0604020202020204" pitchFamily="34" charset="0"/>
-              <a:cs typeface="Arial" panose="020B0604020202020204" pitchFamily="34" charset="0"/>
-            </a:endParaRPr>
           </a:p>
         </p:txBody>
       </p:sp>
@@ -6926,16 +6488,12 @@
           <a:p>
             <a:pPr algn="ctr"/>
             <a:r>
-              <a:rPr lang="es-ES" sz="900" dirty="0" smtClean="0">
+              <a:rPr lang="es-ES" sz="900" dirty="0">
                 <a:latin typeface="Arial" panose="020B0604020202020204" pitchFamily="34" charset="0"/>
                 <a:cs typeface="Arial" panose="020B0604020202020204" pitchFamily="34" charset="0"/>
               </a:rPr>
               <a:t>se puede </a:t>
             </a:r>
-            <a:endParaRPr lang="es-ES" sz="900" dirty="0">
-              <a:latin typeface="Arial" panose="020B0604020202020204" pitchFamily="34" charset="0"/>
-              <a:cs typeface="Arial" panose="020B0604020202020204" pitchFamily="34" charset="0"/>
-            </a:endParaRPr>
           </a:p>
         </p:txBody>
       </p:sp>
@@ -7023,8 +6581,8 @@
         </p:nvSpPr>
         <p:spPr>
           <a:xfrm>
-            <a:off x="11115330" y="5617278"/>
-            <a:ext cx="895440" cy="544052"/>
+            <a:off x="10955076" y="5617278"/>
+            <a:ext cx="1215949" cy="544052"/>
           </a:xfrm>
           <a:prstGeom prst="rect">
             <a:avLst/>
@@ -7058,7 +6616,7 @@
           <a:p>
             <a:pPr algn="ctr"/>
             <a:r>
-              <a:rPr lang="es-ES" sz="900" dirty="0" smtClean="0">
+              <a:rPr lang="es-ES" sz="900" dirty="0">
                 <a:solidFill>
                   <a:schemeClr val="tx1"/>
                 </a:solidFill>
@@ -7067,13 +6625,6 @@
               </a:rPr>
               <a:t>aproximar el resultado </a:t>
             </a:r>
-            <a:endParaRPr lang="es-ES" sz="900" dirty="0">
-              <a:solidFill>
-                <a:schemeClr val="tx1"/>
-              </a:solidFill>
-              <a:latin typeface="Arial" panose="020B0604020202020204" pitchFamily="34" charset="0"/>
-              <a:cs typeface="Arial" panose="020B0604020202020204" pitchFamily="34" charset="0"/>
-            </a:endParaRPr>
           </a:p>
         </p:txBody>
       </p:sp>
@@ -7101,16 +6652,12 @@
           <a:p>
             <a:pPr algn="ctr"/>
             <a:r>
-              <a:rPr lang="es-ES" sz="900" dirty="0" smtClean="0">
+              <a:rPr lang="es-ES" sz="900" dirty="0">
                 <a:latin typeface="Arial" panose="020B0604020202020204" pitchFamily="34" charset="0"/>
                 <a:cs typeface="Arial" panose="020B0604020202020204" pitchFamily="34" charset="0"/>
               </a:rPr>
               <a:t>se puede </a:t>
             </a:r>
-            <a:endParaRPr lang="es-ES" sz="900" dirty="0">
-              <a:latin typeface="Arial" panose="020B0604020202020204" pitchFamily="34" charset="0"/>
-              <a:cs typeface="Arial" panose="020B0604020202020204" pitchFamily="34" charset="0"/>
-            </a:endParaRPr>
           </a:p>
         </p:txBody>
       </p:sp>
@@ -7124,9 +6671,9 @@
           <p:nvPr/>
         </p:nvCxnSpPr>
         <p:spPr>
-          <a:xfrm flipV="1">
+          <a:xfrm flipH="1" flipV="1">
             <a:off x="11563050" y="5410758"/>
-            <a:ext cx="0" cy="206520"/>
+            <a:ext cx="1" cy="206520"/>
           </a:xfrm>
           <a:prstGeom prst="line">
             <a:avLst/>
@@ -7198,8 +6745,8 @@
         </p:nvSpPr>
         <p:spPr>
           <a:xfrm>
-            <a:off x="12458964" y="5617278"/>
-            <a:ext cx="895440" cy="544052"/>
+            <a:off x="12298710" y="5617278"/>
+            <a:ext cx="1215949" cy="544052"/>
           </a:xfrm>
           <a:prstGeom prst="rect">
             <a:avLst/>
@@ -7233,7 +6780,7 @@
           <a:p>
             <a:pPr algn="ctr"/>
             <a:r>
-              <a:rPr lang="es-ES" sz="900" dirty="0" smtClean="0">
+              <a:rPr lang="es-ES" sz="900" dirty="0">
                 <a:solidFill>
                   <a:schemeClr val="tx1"/>
                 </a:solidFill>
@@ -7242,13 +6789,6 @@
               </a:rPr>
               <a:t>aproximar el resultado </a:t>
             </a:r>
-            <a:endParaRPr lang="es-ES" sz="900" dirty="0">
-              <a:solidFill>
-                <a:schemeClr val="tx1"/>
-              </a:solidFill>
-              <a:latin typeface="Arial" panose="020B0604020202020204" pitchFamily="34" charset="0"/>
-              <a:cs typeface="Arial" panose="020B0604020202020204" pitchFamily="34" charset="0"/>
-            </a:endParaRPr>
           </a:p>
         </p:txBody>
       </p:sp>
@@ -7276,16 +6816,12 @@
           <a:p>
             <a:pPr algn="ctr"/>
             <a:r>
-              <a:rPr lang="es-ES" sz="900" dirty="0" smtClean="0">
+              <a:rPr lang="es-ES" sz="900" dirty="0">
                 <a:latin typeface="Arial" panose="020B0604020202020204" pitchFamily="34" charset="0"/>
                 <a:cs typeface="Arial" panose="020B0604020202020204" pitchFamily="34" charset="0"/>
               </a:rPr>
               <a:t>se puede </a:t>
             </a:r>
-            <a:endParaRPr lang="es-ES" sz="900" dirty="0">
-              <a:latin typeface="Arial" panose="020B0604020202020204" pitchFamily="34" charset="0"/>
-              <a:cs typeface="Arial" panose="020B0604020202020204" pitchFamily="34" charset="0"/>
-            </a:endParaRPr>
           </a:p>
         </p:txBody>
       </p:sp>
@@ -7299,9 +6835,9 @@
           <p:nvPr/>
         </p:nvCxnSpPr>
         <p:spPr>
-          <a:xfrm flipV="1">
+          <a:xfrm flipH="1" flipV="1">
             <a:off x="12906684" y="5410758"/>
-            <a:ext cx="0" cy="206520"/>
+            <a:ext cx="1" cy="206520"/>
           </a:xfrm>
           <a:prstGeom prst="line">
             <a:avLst/>
@@ -7376,8 +6912,8 @@
         </p:nvCxnSpPr>
         <p:spPr>
           <a:xfrm rot="5400000">
-            <a:off x="10598396" y="3365010"/>
-            <a:ext cx="584719" cy="1342676"/>
+            <a:off x="10693555" y="3460169"/>
+            <a:ext cx="394401" cy="1342676"/>
           </a:xfrm>
           <a:prstGeom prst="bentConnector3">
             <a:avLst>
@@ -7413,8 +6949,8 @@
         </p:nvSpPr>
         <p:spPr>
           <a:xfrm>
-            <a:off x="8248227" y="7269798"/>
-            <a:ext cx="895440" cy="544052"/>
+            <a:off x="8069291" y="7269798"/>
+            <a:ext cx="1249163" cy="544052"/>
           </a:xfrm>
           <a:prstGeom prst="rect">
             <a:avLst/>
@@ -7448,7 +6984,7 @@
           <a:p>
             <a:pPr algn="ctr"/>
             <a:r>
-              <a:rPr lang="es-ES" sz="900" dirty="0" smtClean="0">
+              <a:rPr lang="es-ES" sz="900" dirty="0">
                 <a:solidFill>
                   <a:schemeClr val="tx1"/>
                 </a:solidFill>
@@ -7457,13 +6993,6 @@
               </a:rPr>
               <a:t>aproximar el cociente</a:t>
             </a:r>
-            <a:endParaRPr lang="es-ES" sz="900" dirty="0">
-              <a:solidFill>
-                <a:schemeClr val="tx1"/>
-              </a:solidFill>
-              <a:latin typeface="Arial" panose="020B0604020202020204" pitchFamily="34" charset="0"/>
-              <a:cs typeface="Arial" panose="020B0604020202020204" pitchFamily="34" charset="0"/>
-            </a:endParaRPr>
           </a:p>
         </p:txBody>
       </p:sp>
@@ -7491,16 +7020,12 @@
           <a:p>
             <a:pPr algn="ctr"/>
             <a:r>
-              <a:rPr lang="es-ES" sz="900" dirty="0" smtClean="0">
+              <a:rPr lang="es-ES" sz="900" dirty="0">
                 <a:latin typeface="Arial" panose="020B0604020202020204" pitchFamily="34" charset="0"/>
                 <a:cs typeface="Arial" panose="020B0604020202020204" pitchFamily="34" charset="0"/>
               </a:rPr>
               <a:t>se puede </a:t>
             </a:r>
-            <a:endParaRPr lang="es-ES" sz="900" dirty="0">
-              <a:latin typeface="Arial" panose="020B0604020202020204" pitchFamily="34" charset="0"/>
-              <a:cs typeface="Arial" panose="020B0604020202020204" pitchFamily="34" charset="0"/>
-            </a:endParaRPr>
           </a:p>
         </p:txBody>
       </p:sp>
@@ -7515,8 +7040,8 @@
         </p:nvCxnSpPr>
         <p:spPr>
           <a:xfrm flipV="1">
-            <a:off x="8695947" y="7063278"/>
-            <a:ext cx="0" cy="206520"/>
+            <a:off x="8693873" y="7063278"/>
+            <a:ext cx="2074" cy="206520"/>
           </a:xfrm>
           <a:prstGeom prst="line">
             <a:avLst/>
@@ -7552,9 +7077,9 @@
           <p:nvPr/>
         </p:nvCxnSpPr>
         <p:spPr>
-          <a:xfrm flipV="1">
-            <a:off x="8695947" y="6649771"/>
-            <a:ext cx="0" cy="182675"/>
+          <a:xfrm flipH="1" flipV="1">
+            <a:off x="8693873" y="6649771"/>
+            <a:ext cx="2074" cy="182675"/>
           </a:xfrm>
           <a:prstGeom prst="line">
             <a:avLst/>
@@ -7590,13 +7115,6 @@
   <p:clrMapOvr>
     <a:masterClrMapping/>
   </p:clrMapOvr>
-  <p:timing>
-    <p:tnLst>
-      <p:par>
-        <p:cTn id="1" dur="indefinite" restart="never" nodeType="tmRoot"/>
-      </p:par>
-    </p:tnLst>
-  </p:timing>
 </p:sld>
 </file>
 
